--- a/images/matlab_basics/5. functions/1. basics_of_functions/icons.pptx
+++ b/images/matlab_basics/5. functions/1. basics_of_functions/icons.pptx
@@ -104,6 +104,11 @@
       </a:defRPr>
     </a:lvl9pPr>
   </p:defaultTextStyle>
+  <p:extLst>
+    <p:ext uri="{EFAFB233-063F-42B5-8137-9DF3F51BA10A}">
+      <p15:sldGuideLst xmlns:p15="http://schemas.microsoft.com/office/powerpoint/2012/main"/>
+    </p:ext>
+  </p:extLst>
 </p:presentation>
 </file>
 
@@ -254,7 +259,7 @@
           <a:p>
             <a:fld id="{B1BC6117-3D32-4B7D-AF69-965D2802A229}" type="datetimeFigureOut">
               <a:rPr lang="en-US" smtClean="0"/>
-              <a:t>10/6/2023</a:t>
+              <a:t>10/7/2023</a:t>
             </a:fld>
             <a:endParaRPr lang="en-US"/>
           </a:p>
@@ -452,7 +457,7 @@
           <a:p>
             <a:fld id="{B1BC6117-3D32-4B7D-AF69-965D2802A229}" type="datetimeFigureOut">
               <a:rPr lang="en-US" smtClean="0"/>
-              <a:t>10/6/2023</a:t>
+              <a:t>10/7/2023</a:t>
             </a:fld>
             <a:endParaRPr lang="en-US"/>
           </a:p>
@@ -660,7 +665,7 @@
           <a:p>
             <a:fld id="{B1BC6117-3D32-4B7D-AF69-965D2802A229}" type="datetimeFigureOut">
               <a:rPr lang="en-US" smtClean="0"/>
-              <a:t>10/6/2023</a:t>
+              <a:t>10/7/2023</a:t>
             </a:fld>
             <a:endParaRPr lang="en-US"/>
           </a:p>
@@ -858,7 +863,7 @@
           <a:p>
             <a:fld id="{B1BC6117-3D32-4B7D-AF69-965D2802A229}" type="datetimeFigureOut">
               <a:rPr lang="en-US" smtClean="0"/>
-              <a:t>10/6/2023</a:t>
+              <a:t>10/7/2023</a:t>
             </a:fld>
             <a:endParaRPr lang="en-US"/>
           </a:p>
@@ -1133,7 +1138,7 @@
           <a:p>
             <a:fld id="{B1BC6117-3D32-4B7D-AF69-965D2802A229}" type="datetimeFigureOut">
               <a:rPr lang="en-US" smtClean="0"/>
-              <a:t>10/6/2023</a:t>
+              <a:t>10/7/2023</a:t>
             </a:fld>
             <a:endParaRPr lang="en-US"/>
           </a:p>
@@ -1398,7 +1403,7 @@
           <a:p>
             <a:fld id="{B1BC6117-3D32-4B7D-AF69-965D2802A229}" type="datetimeFigureOut">
               <a:rPr lang="en-US" smtClean="0"/>
-              <a:t>10/6/2023</a:t>
+              <a:t>10/7/2023</a:t>
             </a:fld>
             <a:endParaRPr lang="en-US"/>
           </a:p>
@@ -1810,7 +1815,7 @@
           <a:p>
             <a:fld id="{B1BC6117-3D32-4B7D-AF69-965D2802A229}" type="datetimeFigureOut">
               <a:rPr lang="en-US" smtClean="0"/>
-              <a:t>10/6/2023</a:t>
+              <a:t>10/7/2023</a:t>
             </a:fld>
             <a:endParaRPr lang="en-US"/>
           </a:p>
@@ -1951,7 +1956,7 @@
           <a:p>
             <a:fld id="{B1BC6117-3D32-4B7D-AF69-965D2802A229}" type="datetimeFigureOut">
               <a:rPr lang="en-US" smtClean="0"/>
-              <a:t>10/6/2023</a:t>
+              <a:t>10/7/2023</a:t>
             </a:fld>
             <a:endParaRPr lang="en-US"/>
           </a:p>
@@ -2064,7 +2069,7 @@
           <a:p>
             <a:fld id="{B1BC6117-3D32-4B7D-AF69-965D2802A229}" type="datetimeFigureOut">
               <a:rPr lang="en-US" smtClean="0"/>
-              <a:t>10/6/2023</a:t>
+              <a:t>10/7/2023</a:t>
             </a:fld>
             <a:endParaRPr lang="en-US"/>
           </a:p>
@@ -2375,7 +2380,7 @@
           <a:p>
             <a:fld id="{B1BC6117-3D32-4B7D-AF69-965D2802A229}" type="datetimeFigureOut">
               <a:rPr lang="en-US" smtClean="0"/>
-              <a:t>10/6/2023</a:t>
+              <a:t>10/7/2023</a:t>
             </a:fld>
             <a:endParaRPr lang="en-US"/>
           </a:p>
@@ -2663,7 +2668,7 @@
           <a:p>
             <a:fld id="{B1BC6117-3D32-4B7D-AF69-965D2802A229}" type="datetimeFigureOut">
               <a:rPr lang="en-US" smtClean="0"/>
-              <a:t>10/6/2023</a:t>
+              <a:t>10/7/2023</a:t>
             </a:fld>
             <a:endParaRPr lang="en-US"/>
           </a:p>
@@ -2904,7 +2909,7 @@
           <a:p>
             <a:fld id="{B1BC6117-3D32-4B7D-AF69-965D2802A229}" type="datetimeFigureOut">
               <a:rPr lang="en-US" smtClean="0"/>
-              <a:t>10/6/2023</a:t>
+              <a:t>10/7/2023</a:t>
             </a:fld>
             <a:endParaRPr lang="en-US"/>
           </a:p>
@@ -3321,567 +3326,546 @@
           <a:chExt cx="0" cy="0"/>
         </a:xfrm>
       </p:grpSpPr>
-      <p:grpSp>
-        <p:nvGrpSpPr>
-          <p:cNvPr id="36" name="Group 35">
-            <a:extLst>
-              <a:ext uri="{FF2B5EF4-FFF2-40B4-BE49-F238E27FC236}">
-                <a16:creationId xmlns:a16="http://schemas.microsoft.com/office/drawing/2014/main" id="{1AB7C9BA-3C27-A35D-8C7F-434D60BC5495}"/>
-              </a:ext>
-            </a:extLst>
-          </p:cNvPr>
-          <p:cNvGrpSpPr/>
+      <p:sp>
+        <p:nvSpPr>
+          <p:cNvPr id="10" name="Freeform: Shape 9">
+            <a:extLst>
+              <a:ext uri="{FF2B5EF4-FFF2-40B4-BE49-F238E27FC236}">
+                <a16:creationId xmlns:a16="http://schemas.microsoft.com/office/drawing/2014/main" id="{14D72FE5-2B04-D9C7-8A19-34A9A27AECC5}"/>
+              </a:ext>
+            </a:extLst>
+          </p:cNvPr>
+          <p:cNvSpPr/>
           <p:nvPr/>
-        </p:nvGrpSpPr>
-        <p:grpSpPr>
+        </p:nvSpPr>
+        <p:spPr>
           <a:xfrm>
-            <a:off x="5885724" y="1770666"/>
-            <a:ext cx="2852707" cy="2746436"/>
-            <a:chOff x="0" y="3089491"/>
-            <a:chExt cx="2852707" cy="2746436"/>
+            <a:off x="6693062" y="2146881"/>
+            <a:ext cx="2045369" cy="2370221"/>
           </a:xfrm>
-        </p:grpSpPr>
-        <p:sp>
-          <p:nvSpPr>
-            <p:cNvPr id="10" name="Freeform: Shape 9">
-              <a:extLst>
-                <a:ext uri="{FF2B5EF4-FFF2-40B4-BE49-F238E27FC236}">
-                  <a16:creationId xmlns:a16="http://schemas.microsoft.com/office/drawing/2014/main" id="{14D72FE5-2B04-D9C7-8A19-34A9A27AECC5}"/>
-                </a:ext>
-              </a:extLst>
-            </p:cNvPr>
-            <p:cNvSpPr/>
-            <p:nvPr/>
-          </p:nvSpPr>
-          <p:spPr>
-            <a:xfrm>
-              <a:off x="807338" y="3465706"/>
-              <a:ext cx="2045369" cy="2370221"/>
-            </a:xfrm>
-            <a:custGeom>
-              <a:avLst/>
-              <a:gdLst>
-                <a:gd name="connsiteX0" fmla="*/ 0 w 2045369"/>
-                <a:gd name="connsiteY0" fmla="*/ 0 h 2370221"/>
-                <a:gd name="connsiteX1" fmla="*/ 1553581 w 2045369"/>
-                <a:gd name="connsiteY1" fmla="*/ 0 h 2370221"/>
-                <a:gd name="connsiteX2" fmla="*/ 2045369 w 2045369"/>
-                <a:gd name="connsiteY2" fmla="*/ 491789 h 2370221"/>
-                <a:gd name="connsiteX3" fmla="*/ 2045369 w 2045369"/>
-                <a:gd name="connsiteY3" fmla="*/ 2370221 h 2370221"/>
-                <a:gd name="connsiteX4" fmla="*/ 0 w 2045369"/>
-                <a:gd name="connsiteY4" fmla="*/ 2370221 h 2370221"/>
-              </a:gdLst>
-              <a:ahLst/>
-              <a:cxnLst>
-                <a:cxn ang="0">
-                  <a:pos x="connsiteX0" y="connsiteY0"/>
-                </a:cxn>
-                <a:cxn ang="0">
-                  <a:pos x="connsiteX1" y="connsiteY1"/>
-                </a:cxn>
-                <a:cxn ang="0">
-                  <a:pos x="connsiteX2" y="connsiteY2"/>
-                </a:cxn>
-                <a:cxn ang="0">
-                  <a:pos x="connsiteX3" y="connsiteY3"/>
-                </a:cxn>
-                <a:cxn ang="0">
-                  <a:pos x="connsiteX4" y="connsiteY4"/>
-                </a:cxn>
-              </a:cxnLst>
-              <a:rect l="l" t="t" r="r" b="b"/>
-              <a:pathLst>
-                <a:path w="2045369" h="2370221">
-                  <a:moveTo>
-                    <a:pt x="0" y="0"/>
-                  </a:moveTo>
-                  <a:lnTo>
-                    <a:pt x="1553581" y="0"/>
-                  </a:lnTo>
-                  <a:lnTo>
-                    <a:pt x="2045369" y="491789"/>
-                  </a:lnTo>
-                  <a:lnTo>
-                    <a:pt x="2045369" y="2370221"/>
-                  </a:lnTo>
-                  <a:lnTo>
-                    <a:pt x="0" y="2370221"/>
-                  </a:lnTo>
-                  <a:close/>
-                </a:path>
-              </a:pathLst>
-            </a:custGeom>
+          <a:custGeom>
+            <a:avLst/>
+            <a:gdLst>
+              <a:gd name="connsiteX0" fmla="*/ 0 w 2045369"/>
+              <a:gd name="connsiteY0" fmla="*/ 0 h 2370221"/>
+              <a:gd name="connsiteX1" fmla="*/ 1553581 w 2045369"/>
+              <a:gd name="connsiteY1" fmla="*/ 0 h 2370221"/>
+              <a:gd name="connsiteX2" fmla="*/ 2045369 w 2045369"/>
+              <a:gd name="connsiteY2" fmla="*/ 491789 h 2370221"/>
+              <a:gd name="connsiteX3" fmla="*/ 2045369 w 2045369"/>
+              <a:gd name="connsiteY3" fmla="*/ 2370221 h 2370221"/>
+              <a:gd name="connsiteX4" fmla="*/ 0 w 2045369"/>
+              <a:gd name="connsiteY4" fmla="*/ 2370221 h 2370221"/>
+            </a:gdLst>
+            <a:ahLst/>
+            <a:cxnLst>
+              <a:cxn ang="0">
+                <a:pos x="connsiteX0" y="connsiteY0"/>
+              </a:cxn>
+              <a:cxn ang="0">
+                <a:pos x="connsiteX1" y="connsiteY1"/>
+              </a:cxn>
+              <a:cxn ang="0">
+                <a:pos x="connsiteX2" y="connsiteY2"/>
+              </a:cxn>
+              <a:cxn ang="0">
+                <a:pos x="connsiteX3" y="connsiteY3"/>
+              </a:cxn>
+              <a:cxn ang="0">
+                <a:pos x="connsiteX4" y="connsiteY4"/>
+              </a:cxn>
+            </a:cxnLst>
+            <a:rect l="l" t="t" r="r" b="b"/>
+            <a:pathLst>
+              <a:path w="2045369" h="2370221">
+                <a:moveTo>
+                  <a:pt x="0" y="0"/>
+                </a:moveTo>
+                <a:lnTo>
+                  <a:pt x="1553581" y="0"/>
+                </a:lnTo>
+                <a:lnTo>
+                  <a:pt x="2045369" y="491789"/>
+                </a:lnTo>
+                <a:lnTo>
+                  <a:pt x="2045369" y="2370221"/>
+                </a:lnTo>
+                <a:lnTo>
+                  <a:pt x="0" y="2370221"/>
+                </a:lnTo>
+                <a:close/>
+              </a:path>
+            </a:pathLst>
+          </a:custGeom>
+          <a:solidFill>
+            <a:srgbClr val="FAFFFF"/>
+          </a:solidFill>
+          <a:ln w="76200">
             <a:solidFill>
-              <a:srgbClr val="FAFFFF"/>
+              <a:schemeClr val="tx2"/>
             </a:solidFill>
-            <a:ln w="76200">
-              <a:solidFill>
-                <a:schemeClr val="tx2"/>
-              </a:solidFill>
-            </a:ln>
-          </p:spPr>
-          <p:style>
-            <a:lnRef idx="2">
-              <a:schemeClr val="accent1">
-                <a:shade val="15000"/>
-              </a:schemeClr>
-            </a:lnRef>
-            <a:fillRef idx="1">
-              <a:schemeClr val="accent1"/>
-            </a:fillRef>
-            <a:effectRef idx="0">
-              <a:schemeClr val="accent1"/>
-            </a:effectRef>
-            <a:fontRef idx="minor">
-              <a:schemeClr val="lt1"/>
-            </a:fontRef>
-          </p:style>
-          <p:txBody>
-            <a:bodyPr wrap="square" rtlCol="0" anchor="ctr">
-              <a:noAutofit/>
-            </a:bodyPr>
-            <a:lstStyle/>
-            <a:p>
-              <a:pPr algn="ctr"/>
-              <a:endParaRPr lang="en-US"/>
-            </a:p>
-          </p:txBody>
-        </p:sp>
-        <p:sp>
-          <p:nvSpPr>
-            <p:cNvPr id="11" name="Freeform: Shape 10">
-              <a:extLst>
-                <a:ext uri="{FF2B5EF4-FFF2-40B4-BE49-F238E27FC236}">
-                  <a16:creationId xmlns:a16="http://schemas.microsoft.com/office/drawing/2014/main" id="{842C43AD-A4F0-36AC-9037-645C4CCCB222}"/>
-                </a:ext>
-              </a:extLst>
-            </p:cNvPr>
-            <p:cNvSpPr/>
-            <p:nvPr/>
-          </p:nvSpPr>
-          <p:spPr>
-            <a:xfrm>
-              <a:off x="2347381" y="3465706"/>
-              <a:ext cx="505326" cy="517359"/>
-            </a:xfrm>
-            <a:custGeom>
-              <a:avLst/>
-              <a:gdLst>
-                <a:gd name="connsiteX0" fmla="*/ 0 w 505326"/>
-                <a:gd name="connsiteY0" fmla="*/ 0 h 517359"/>
-                <a:gd name="connsiteX1" fmla="*/ 13538 w 505326"/>
-                <a:gd name="connsiteY1" fmla="*/ 0 h 517359"/>
-                <a:gd name="connsiteX2" fmla="*/ 505326 w 505326"/>
-                <a:gd name="connsiteY2" fmla="*/ 491789 h 517359"/>
-                <a:gd name="connsiteX3" fmla="*/ 505326 w 505326"/>
-                <a:gd name="connsiteY3" fmla="*/ 517359 h 517359"/>
-                <a:gd name="connsiteX4" fmla="*/ 0 w 505326"/>
-                <a:gd name="connsiteY4" fmla="*/ 517359 h 517359"/>
-              </a:gdLst>
-              <a:ahLst/>
-              <a:cxnLst>
-                <a:cxn ang="0">
-                  <a:pos x="connsiteX0" y="connsiteY0"/>
-                </a:cxn>
-                <a:cxn ang="0">
-                  <a:pos x="connsiteX1" y="connsiteY1"/>
-                </a:cxn>
-                <a:cxn ang="0">
-                  <a:pos x="connsiteX2" y="connsiteY2"/>
-                </a:cxn>
-                <a:cxn ang="0">
-                  <a:pos x="connsiteX3" y="connsiteY3"/>
-                </a:cxn>
-                <a:cxn ang="0">
-                  <a:pos x="connsiteX4" y="connsiteY4"/>
-                </a:cxn>
-              </a:cxnLst>
-              <a:rect l="l" t="t" r="r" b="b"/>
-              <a:pathLst>
-                <a:path w="505326" h="517359">
-                  <a:moveTo>
-                    <a:pt x="0" y="0"/>
-                  </a:moveTo>
-                  <a:lnTo>
-                    <a:pt x="13538" y="0"/>
-                  </a:lnTo>
-                  <a:lnTo>
-                    <a:pt x="505326" y="491789"/>
-                  </a:lnTo>
-                  <a:lnTo>
-                    <a:pt x="505326" y="517359"/>
-                  </a:lnTo>
-                  <a:lnTo>
-                    <a:pt x="0" y="517359"/>
-                  </a:lnTo>
-                  <a:close/>
-                </a:path>
-              </a:pathLst>
-            </a:custGeom>
+          </a:ln>
+        </p:spPr>
+        <p:style>
+          <a:lnRef idx="2">
+            <a:schemeClr val="accent1">
+              <a:shade val="15000"/>
+            </a:schemeClr>
+          </a:lnRef>
+          <a:fillRef idx="1">
+            <a:schemeClr val="accent1"/>
+          </a:fillRef>
+          <a:effectRef idx="0">
+            <a:schemeClr val="accent1"/>
+          </a:effectRef>
+          <a:fontRef idx="minor">
+            <a:schemeClr val="lt1"/>
+          </a:fontRef>
+        </p:style>
+        <p:txBody>
+          <a:bodyPr wrap="square" rtlCol="0" anchor="ctr">
+            <a:noAutofit/>
+          </a:bodyPr>
+          <a:lstStyle/>
+          <a:p>
+            <a:pPr algn="ctr"/>
+            <a:endParaRPr lang="en-US"/>
+          </a:p>
+        </p:txBody>
+      </p:sp>
+      <p:sp>
+        <p:nvSpPr>
+          <p:cNvPr id="11" name="Freeform: Shape 10">
+            <a:extLst>
+              <a:ext uri="{FF2B5EF4-FFF2-40B4-BE49-F238E27FC236}">
+                <a16:creationId xmlns:a16="http://schemas.microsoft.com/office/drawing/2014/main" id="{842C43AD-A4F0-36AC-9037-645C4CCCB222}"/>
+              </a:ext>
+            </a:extLst>
+          </p:cNvPr>
+          <p:cNvSpPr/>
+          <p:nvPr/>
+        </p:nvSpPr>
+        <p:spPr>
+          <a:xfrm>
+            <a:off x="8233105" y="2146881"/>
+            <a:ext cx="505326" cy="517359"/>
+          </a:xfrm>
+          <a:custGeom>
+            <a:avLst/>
+            <a:gdLst>
+              <a:gd name="connsiteX0" fmla="*/ 0 w 505326"/>
+              <a:gd name="connsiteY0" fmla="*/ 0 h 517359"/>
+              <a:gd name="connsiteX1" fmla="*/ 13538 w 505326"/>
+              <a:gd name="connsiteY1" fmla="*/ 0 h 517359"/>
+              <a:gd name="connsiteX2" fmla="*/ 505326 w 505326"/>
+              <a:gd name="connsiteY2" fmla="*/ 491789 h 517359"/>
+              <a:gd name="connsiteX3" fmla="*/ 505326 w 505326"/>
+              <a:gd name="connsiteY3" fmla="*/ 517359 h 517359"/>
+              <a:gd name="connsiteX4" fmla="*/ 0 w 505326"/>
+              <a:gd name="connsiteY4" fmla="*/ 517359 h 517359"/>
+            </a:gdLst>
+            <a:ahLst/>
+            <a:cxnLst>
+              <a:cxn ang="0">
+                <a:pos x="connsiteX0" y="connsiteY0"/>
+              </a:cxn>
+              <a:cxn ang="0">
+                <a:pos x="connsiteX1" y="connsiteY1"/>
+              </a:cxn>
+              <a:cxn ang="0">
+                <a:pos x="connsiteX2" y="connsiteY2"/>
+              </a:cxn>
+              <a:cxn ang="0">
+                <a:pos x="connsiteX3" y="connsiteY3"/>
+              </a:cxn>
+              <a:cxn ang="0">
+                <a:pos x="connsiteX4" y="connsiteY4"/>
+              </a:cxn>
+            </a:cxnLst>
+            <a:rect l="l" t="t" r="r" b="b"/>
+            <a:pathLst>
+              <a:path w="505326" h="517359">
+                <a:moveTo>
+                  <a:pt x="0" y="0"/>
+                </a:moveTo>
+                <a:lnTo>
+                  <a:pt x="13538" y="0"/>
+                </a:lnTo>
+                <a:lnTo>
+                  <a:pt x="505326" y="491789"/>
+                </a:lnTo>
+                <a:lnTo>
+                  <a:pt x="505326" y="517359"/>
+                </a:lnTo>
+                <a:lnTo>
+                  <a:pt x="0" y="517359"/>
+                </a:lnTo>
+                <a:close/>
+              </a:path>
+            </a:pathLst>
+          </a:custGeom>
+          <a:solidFill>
+            <a:schemeClr val="accent1">
+              <a:lumMod val="20000"/>
+              <a:lumOff val="80000"/>
+            </a:schemeClr>
+          </a:solidFill>
+          <a:ln w="76200">
             <a:solidFill>
-              <a:schemeClr val="accent1">
-                <a:lumMod val="20000"/>
-                <a:lumOff val="80000"/>
-              </a:schemeClr>
+              <a:schemeClr val="tx2"/>
             </a:solidFill>
-            <a:ln w="76200">
-              <a:solidFill>
-                <a:schemeClr val="tx2"/>
-              </a:solidFill>
-            </a:ln>
-          </p:spPr>
-          <p:style>
-            <a:lnRef idx="2">
-              <a:schemeClr val="accent1">
-                <a:shade val="15000"/>
-              </a:schemeClr>
-            </a:lnRef>
-            <a:fillRef idx="1">
-              <a:schemeClr val="accent1"/>
-            </a:fillRef>
-            <a:effectRef idx="0">
-              <a:schemeClr val="accent1"/>
-            </a:effectRef>
-            <a:fontRef idx="minor">
-              <a:schemeClr val="lt1"/>
-            </a:fontRef>
-          </p:style>
-          <p:txBody>
-            <a:bodyPr wrap="square" rtlCol="0" anchor="ctr">
-              <a:noAutofit/>
-            </a:bodyPr>
-            <a:lstStyle/>
-            <a:p>
-              <a:pPr algn="ctr"/>
-              <a:endParaRPr lang="en-US"/>
-            </a:p>
-          </p:txBody>
-        </p:sp>
-        <p:cxnSp>
-          <p:nvCxnSpPr>
-            <p:cNvPr id="16" name="Straight Connector 15">
-              <a:extLst>
-                <a:ext uri="{FF2B5EF4-FFF2-40B4-BE49-F238E27FC236}">
-                  <a16:creationId xmlns:a16="http://schemas.microsoft.com/office/drawing/2014/main" id="{96C4DD41-2772-D426-DD30-CDB28B91B356}"/>
-                </a:ext>
-              </a:extLst>
-            </p:cNvPr>
-            <p:cNvCxnSpPr/>
-            <p:nvPr/>
-          </p:nvCxnSpPr>
-          <p:spPr>
-            <a:xfrm>
-              <a:off x="1111288" y="4597387"/>
-              <a:ext cx="1437467" cy="0"/>
-            </a:xfrm>
-            <a:prstGeom prst="line">
-              <a:avLst/>
-            </a:prstGeom>
-            <a:ln w="76200">
-              <a:solidFill>
-                <a:schemeClr val="tx1"/>
-              </a:solidFill>
-            </a:ln>
-          </p:spPr>
-          <p:style>
-            <a:lnRef idx="1">
-              <a:schemeClr val="accent1"/>
-            </a:lnRef>
-            <a:fillRef idx="0">
-              <a:schemeClr val="accent1"/>
-            </a:fillRef>
-            <a:effectRef idx="0">
-              <a:schemeClr val="accent1"/>
-            </a:effectRef>
-            <a:fontRef idx="minor">
+          </a:ln>
+        </p:spPr>
+        <p:style>
+          <a:lnRef idx="2">
+            <a:schemeClr val="accent1">
+              <a:shade val="15000"/>
+            </a:schemeClr>
+          </a:lnRef>
+          <a:fillRef idx="1">
+            <a:schemeClr val="accent1"/>
+          </a:fillRef>
+          <a:effectRef idx="0">
+            <a:schemeClr val="accent1"/>
+          </a:effectRef>
+          <a:fontRef idx="minor">
+            <a:schemeClr val="lt1"/>
+          </a:fontRef>
+        </p:style>
+        <p:txBody>
+          <a:bodyPr wrap="square" rtlCol="0" anchor="ctr">
+            <a:noAutofit/>
+          </a:bodyPr>
+          <a:lstStyle/>
+          <a:p>
+            <a:pPr algn="ctr"/>
+            <a:endParaRPr lang="en-US"/>
+          </a:p>
+        </p:txBody>
+      </p:sp>
+      <p:cxnSp>
+        <p:nvCxnSpPr>
+          <p:cNvPr id="16" name="Straight Connector 15">
+            <a:extLst>
+              <a:ext uri="{FF2B5EF4-FFF2-40B4-BE49-F238E27FC236}">
+                <a16:creationId xmlns:a16="http://schemas.microsoft.com/office/drawing/2014/main" id="{96C4DD41-2772-D426-DD30-CDB28B91B356}"/>
+              </a:ext>
+            </a:extLst>
+          </p:cNvPr>
+          <p:cNvCxnSpPr/>
+          <p:nvPr/>
+        </p:nvCxnSpPr>
+        <p:spPr>
+          <a:xfrm>
+            <a:off x="6997012" y="3485954"/>
+            <a:ext cx="1437467" cy="0"/>
+          </a:xfrm>
+          <a:prstGeom prst="line">
+            <a:avLst/>
+          </a:prstGeom>
+          <a:ln w="76200">
+            <a:solidFill>
               <a:schemeClr val="tx1"/>
-            </a:fontRef>
-          </p:style>
-        </p:cxnSp>
-        <p:cxnSp>
-          <p:nvCxnSpPr>
-            <p:cNvPr id="18" name="Straight Connector 17">
-              <a:extLst>
-                <a:ext uri="{FF2B5EF4-FFF2-40B4-BE49-F238E27FC236}">
-                  <a16:creationId xmlns:a16="http://schemas.microsoft.com/office/drawing/2014/main" id="{BA9BD6C0-CAA1-6793-8F13-9C28ED721D9B}"/>
-                </a:ext>
-              </a:extLst>
-            </p:cNvPr>
-            <p:cNvCxnSpPr/>
-            <p:nvPr/>
-          </p:nvCxnSpPr>
-          <p:spPr>
-            <a:xfrm>
-              <a:off x="1111288" y="4953848"/>
-              <a:ext cx="1437467" cy="0"/>
-            </a:xfrm>
-            <a:prstGeom prst="line">
-              <a:avLst/>
-            </a:prstGeom>
-            <a:ln w="76200">
-              <a:solidFill>
-                <a:schemeClr val="tx1"/>
-              </a:solidFill>
-            </a:ln>
-          </p:spPr>
-          <p:style>
-            <a:lnRef idx="1">
-              <a:schemeClr val="accent1"/>
-            </a:lnRef>
-            <a:fillRef idx="0">
-              <a:schemeClr val="accent1"/>
-            </a:fillRef>
-            <a:effectRef idx="0">
-              <a:schemeClr val="accent1"/>
-            </a:effectRef>
-            <a:fontRef idx="minor">
+            </a:solidFill>
+          </a:ln>
+        </p:spPr>
+        <p:style>
+          <a:lnRef idx="1">
+            <a:schemeClr val="accent1"/>
+          </a:lnRef>
+          <a:fillRef idx="0">
+            <a:schemeClr val="accent1"/>
+          </a:fillRef>
+          <a:effectRef idx="0">
+            <a:schemeClr val="accent1"/>
+          </a:effectRef>
+          <a:fontRef idx="minor">
+            <a:schemeClr val="tx1"/>
+          </a:fontRef>
+        </p:style>
+      </p:cxnSp>
+      <p:cxnSp>
+        <p:nvCxnSpPr>
+          <p:cNvPr id="18" name="Straight Connector 17">
+            <a:extLst>
+              <a:ext uri="{FF2B5EF4-FFF2-40B4-BE49-F238E27FC236}">
+                <a16:creationId xmlns:a16="http://schemas.microsoft.com/office/drawing/2014/main" id="{BA9BD6C0-CAA1-6793-8F13-9C28ED721D9B}"/>
+              </a:ext>
+            </a:extLst>
+          </p:cNvPr>
+          <p:cNvCxnSpPr/>
+          <p:nvPr/>
+        </p:nvCxnSpPr>
+        <p:spPr>
+          <a:xfrm>
+            <a:off x="6997012" y="3842415"/>
+            <a:ext cx="1437467" cy="0"/>
+          </a:xfrm>
+          <a:prstGeom prst="line">
+            <a:avLst/>
+          </a:prstGeom>
+          <a:ln w="76200">
+            <a:solidFill>
               <a:schemeClr val="tx1"/>
-            </a:fontRef>
-          </p:style>
-        </p:cxnSp>
-        <p:cxnSp>
-          <p:nvCxnSpPr>
-            <p:cNvPr id="19" name="Straight Connector 18">
-              <a:extLst>
-                <a:ext uri="{FF2B5EF4-FFF2-40B4-BE49-F238E27FC236}">
-                  <a16:creationId xmlns:a16="http://schemas.microsoft.com/office/drawing/2014/main" id="{F004CA12-31BA-B9B4-0AE6-2729BAE89332}"/>
-                </a:ext>
-              </a:extLst>
-            </p:cNvPr>
-            <p:cNvCxnSpPr/>
-            <p:nvPr/>
-          </p:nvCxnSpPr>
-          <p:spPr>
-            <a:xfrm>
-              <a:off x="1111288" y="5294810"/>
-              <a:ext cx="1437467" cy="0"/>
-            </a:xfrm>
-            <a:prstGeom prst="line">
-              <a:avLst/>
-            </a:prstGeom>
-            <a:ln w="76200">
-              <a:solidFill>
-                <a:schemeClr val="tx1"/>
-              </a:solidFill>
-            </a:ln>
-          </p:spPr>
-          <p:style>
-            <a:lnRef idx="1">
-              <a:schemeClr val="accent1"/>
-            </a:lnRef>
-            <a:fillRef idx="0">
-              <a:schemeClr val="accent1"/>
-            </a:fillRef>
-            <a:effectRef idx="0">
-              <a:schemeClr val="accent1"/>
-            </a:effectRef>
-            <a:fontRef idx="minor">
+            </a:solidFill>
+          </a:ln>
+        </p:spPr>
+        <p:style>
+          <a:lnRef idx="1">
+            <a:schemeClr val="accent1"/>
+          </a:lnRef>
+          <a:fillRef idx="0">
+            <a:schemeClr val="accent1"/>
+          </a:fillRef>
+          <a:effectRef idx="0">
+            <a:schemeClr val="accent1"/>
+          </a:effectRef>
+          <a:fontRef idx="minor">
+            <a:schemeClr val="tx1"/>
+          </a:fontRef>
+        </p:style>
+      </p:cxnSp>
+      <p:cxnSp>
+        <p:nvCxnSpPr>
+          <p:cNvPr id="19" name="Straight Connector 18">
+            <a:extLst>
+              <a:ext uri="{FF2B5EF4-FFF2-40B4-BE49-F238E27FC236}">
+                <a16:creationId xmlns:a16="http://schemas.microsoft.com/office/drawing/2014/main" id="{F004CA12-31BA-B9B4-0AE6-2729BAE89332}"/>
+              </a:ext>
+            </a:extLst>
+          </p:cNvPr>
+          <p:cNvCxnSpPr/>
+          <p:nvPr/>
+        </p:nvCxnSpPr>
+        <p:spPr>
+          <a:xfrm>
+            <a:off x="6997012" y="4183377"/>
+            <a:ext cx="1437467" cy="0"/>
+          </a:xfrm>
+          <a:prstGeom prst="line">
+            <a:avLst/>
+          </a:prstGeom>
+          <a:ln w="76200">
+            <a:solidFill>
               <a:schemeClr val="tx1"/>
-            </a:fontRef>
-          </p:style>
-        </p:cxnSp>
-        <p:sp>
-          <p:nvSpPr>
-            <p:cNvPr id="20" name="Rectangle 19">
-              <a:extLst>
-                <a:ext uri="{FF2B5EF4-FFF2-40B4-BE49-F238E27FC236}">
-                  <a16:creationId xmlns:a16="http://schemas.microsoft.com/office/drawing/2014/main" id="{2D2C0355-6CAE-57BA-97CA-375CC8E20E73}"/>
-                </a:ext>
-              </a:extLst>
-            </p:cNvPr>
-            <p:cNvSpPr/>
-            <p:nvPr/>
-          </p:nvSpPr>
-          <p:spPr>
-            <a:xfrm>
-              <a:off x="1974244" y="4361234"/>
-              <a:ext cx="309674" cy="339747"/>
-            </a:xfrm>
-            <a:prstGeom prst="rect">
-              <a:avLst/>
-            </a:prstGeom>
-            <a:solidFill>
-              <a:srgbClr val="FAFFFF"/>
             </a:solidFill>
-            <a:ln>
-              <a:noFill/>
-            </a:ln>
-          </p:spPr>
-          <p:style>
-            <a:lnRef idx="2">
-              <a:schemeClr val="accent1">
-                <a:shade val="15000"/>
-              </a:schemeClr>
-            </a:lnRef>
-            <a:fillRef idx="1">
-              <a:schemeClr val="accent1"/>
-            </a:fillRef>
-            <a:effectRef idx="0">
-              <a:schemeClr val="accent1"/>
-            </a:effectRef>
-            <a:fontRef idx="minor">
-              <a:schemeClr val="lt1"/>
-            </a:fontRef>
-          </p:style>
-          <p:txBody>
-            <a:bodyPr rtlCol="0" anchor="ctr"/>
-            <a:lstStyle/>
-            <a:p>
-              <a:pPr algn="ctr"/>
-              <a:endParaRPr lang="en-US"/>
-            </a:p>
-          </p:txBody>
-        </p:sp>
-        <p:sp>
-          <p:nvSpPr>
-            <p:cNvPr id="21" name="Rectangle 20">
-              <a:extLst>
-                <a:ext uri="{FF2B5EF4-FFF2-40B4-BE49-F238E27FC236}">
-                  <a16:creationId xmlns:a16="http://schemas.microsoft.com/office/drawing/2014/main" id="{DF83B735-7316-6CEB-8604-D9D86AFD0984}"/>
-                </a:ext>
-              </a:extLst>
-            </p:cNvPr>
-            <p:cNvSpPr/>
-            <p:nvPr/>
-          </p:nvSpPr>
-          <p:spPr>
-            <a:xfrm>
-              <a:off x="1474316" y="4802929"/>
-              <a:ext cx="309674" cy="339747"/>
-            </a:xfrm>
-            <a:prstGeom prst="rect">
-              <a:avLst/>
-            </a:prstGeom>
-            <a:solidFill>
-              <a:srgbClr val="FAFFFF"/>
-            </a:solidFill>
-            <a:ln>
-              <a:noFill/>
-            </a:ln>
-          </p:spPr>
-          <p:style>
-            <a:lnRef idx="2">
-              <a:schemeClr val="accent1">
-                <a:shade val="15000"/>
-              </a:schemeClr>
-            </a:lnRef>
-            <a:fillRef idx="1">
-              <a:schemeClr val="accent1"/>
-            </a:fillRef>
-            <a:effectRef idx="0">
-              <a:schemeClr val="accent1"/>
-            </a:effectRef>
-            <a:fontRef idx="minor">
-              <a:schemeClr val="lt1"/>
-            </a:fontRef>
-          </p:style>
-          <p:txBody>
-            <a:bodyPr rtlCol="0" anchor="ctr"/>
-            <a:lstStyle/>
-            <a:p>
-              <a:pPr algn="ctr"/>
-              <a:endParaRPr lang="en-US"/>
-            </a:p>
-          </p:txBody>
-        </p:sp>
-        <p:sp>
-          <p:nvSpPr>
-            <p:cNvPr id="22" name="Rectangle 21">
-              <a:extLst>
-                <a:ext uri="{FF2B5EF4-FFF2-40B4-BE49-F238E27FC236}">
-                  <a16:creationId xmlns:a16="http://schemas.microsoft.com/office/drawing/2014/main" id="{E2FDF8E1-0C6A-7FA5-5041-29DB6ED50D2F}"/>
-                </a:ext>
-              </a:extLst>
-            </p:cNvPr>
-            <p:cNvSpPr/>
-            <p:nvPr/>
-          </p:nvSpPr>
-          <p:spPr>
-            <a:xfrm>
-              <a:off x="2024451" y="5180452"/>
-              <a:ext cx="309674" cy="339747"/>
-            </a:xfrm>
-            <a:prstGeom prst="rect">
-              <a:avLst/>
-            </a:prstGeom>
-            <a:solidFill>
-              <a:srgbClr val="FAFFFF"/>
-            </a:solidFill>
-            <a:ln>
-              <a:noFill/>
-            </a:ln>
-          </p:spPr>
-          <p:style>
-            <a:lnRef idx="2">
-              <a:schemeClr val="accent1">
-                <a:shade val="15000"/>
-              </a:schemeClr>
-            </a:lnRef>
-            <a:fillRef idx="1">
-              <a:schemeClr val="accent1"/>
-            </a:fillRef>
-            <a:effectRef idx="0">
-              <a:schemeClr val="accent1"/>
-            </a:effectRef>
-            <a:fontRef idx="minor">
-              <a:schemeClr val="lt1"/>
-            </a:fontRef>
-          </p:style>
-          <p:txBody>
-            <a:bodyPr rtlCol="0" anchor="ctr"/>
-            <a:lstStyle/>
-            <a:p>
-              <a:pPr algn="ctr"/>
-              <a:endParaRPr lang="en-US"/>
-            </a:p>
-          </p:txBody>
-        </p:sp>
-        <p:pic>
-          <p:nvPicPr>
-            <p:cNvPr id="14" name="Picture 13">
-              <a:extLst>
-                <a:ext uri="{FF2B5EF4-FFF2-40B4-BE49-F238E27FC236}">
-                  <a16:creationId xmlns:a16="http://schemas.microsoft.com/office/drawing/2014/main" id="{CA365B80-A7AA-0066-455B-4E90539B48EB}"/>
-                </a:ext>
-              </a:extLst>
-            </p:cNvPr>
-            <p:cNvPicPr>
-              <a:picLocks noChangeAspect="1"/>
-            </p:cNvPicPr>
-            <p:nvPr/>
-          </p:nvPicPr>
-          <p:blipFill>
-            <a:blip r:embed="rId2">
-              <a:extLst>
-                <a:ext uri="{BEBA8EAE-BF5A-486C-A8C5-ECC9F3942E4B}">
-                  <a14:imgProps xmlns:a14="http://schemas.microsoft.com/office/drawing/2010/main">
-                    <a14:imgLayer r:embed="rId3">
-                      <a14:imgEffect>
-                        <a14:backgroundRemoval t="10000" b="95238" l="10000" r="90000">
-                          <a14:foregroundMark x1="47321" y1="91667" x2="48214" y2="95238"/>
-                        </a14:backgroundRemoval>
-                      </a14:imgEffect>
-                    </a14:imgLayer>
-                  </a14:imgProps>
-                </a:ext>
-              </a:extLst>
-            </a:blip>
-            <a:stretch>
-              <a:fillRect/>
-            </a:stretch>
-          </p:blipFill>
-          <p:spPr>
-            <a:xfrm>
-              <a:off x="0" y="3089491"/>
-              <a:ext cx="2382864" cy="1787148"/>
-            </a:xfrm>
-            <a:prstGeom prst="rect">
-              <a:avLst/>
-            </a:prstGeom>
-          </p:spPr>
-        </p:pic>
-      </p:grpSp>
+          </a:ln>
+        </p:spPr>
+        <p:style>
+          <a:lnRef idx="1">
+            <a:schemeClr val="accent1"/>
+          </a:lnRef>
+          <a:fillRef idx="0">
+            <a:schemeClr val="accent1"/>
+          </a:fillRef>
+          <a:effectRef idx="0">
+            <a:schemeClr val="accent1"/>
+          </a:effectRef>
+          <a:fontRef idx="minor">
+            <a:schemeClr val="tx1"/>
+          </a:fontRef>
+        </p:style>
+      </p:cxnSp>
+      <p:sp>
+        <p:nvSpPr>
+          <p:cNvPr id="20" name="Rectangle 19">
+            <a:extLst>
+              <a:ext uri="{FF2B5EF4-FFF2-40B4-BE49-F238E27FC236}">
+                <a16:creationId xmlns:a16="http://schemas.microsoft.com/office/drawing/2014/main" id="{2D2C0355-6CAE-57BA-97CA-375CC8E20E73}"/>
+              </a:ext>
+            </a:extLst>
+          </p:cNvPr>
+          <p:cNvSpPr/>
+          <p:nvPr/>
+        </p:nvSpPr>
+        <p:spPr>
+          <a:xfrm>
+            <a:off x="7859968" y="3249801"/>
+            <a:ext cx="309674" cy="339747"/>
+          </a:xfrm>
+          <a:prstGeom prst="rect">
+            <a:avLst/>
+          </a:prstGeom>
+          <a:solidFill>
+            <a:srgbClr val="FAFFFF"/>
+          </a:solidFill>
+          <a:ln>
+            <a:noFill/>
+          </a:ln>
+        </p:spPr>
+        <p:style>
+          <a:lnRef idx="2">
+            <a:schemeClr val="accent1">
+              <a:shade val="15000"/>
+            </a:schemeClr>
+          </a:lnRef>
+          <a:fillRef idx="1">
+            <a:schemeClr val="accent1"/>
+          </a:fillRef>
+          <a:effectRef idx="0">
+            <a:schemeClr val="accent1"/>
+          </a:effectRef>
+          <a:fontRef idx="minor">
+            <a:schemeClr val="lt1"/>
+          </a:fontRef>
+        </p:style>
+        <p:txBody>
+          <a:bodyPr rtlCol="0" anchor="ctr"/>
+          <a:lstStyle/>
+          <a:p>
+            <a:pPr algn="ctr"/>
+            <a:endParaRPr lang="en-US"/>
+          </a:p>
+        </p:txBody>
+      </p:sp>
+      <p:sp>
+        <p:nvSpPr>
+          <p:cNvPr id="21" name="Rectangle 20">
+            <a:extLst>
+              <a:ext uri="{FF2B5EF4-FFF2-40B4-BE49-F238E27FC236}">
+                <a16:creationId xmlns:a16="http://schemas.microsoft.com/office/drawing/2014/main" id="{DF83B735-7316-6CEB-8604-D9D86AFD0984}"/>
+              </a:ext>
+            </a:extLst>
+          </p:cNvPr>
+          <p:cNvSpPr/>
+          <p:nvPr/>
+        </p:nvSpPr>
+        <p:spPr>
+          <a:xfrm>
+            <a:off x="7360040" y="3691496"/>
+            <a:ext cx="309674" cy="339747"/>
+          </a:xfrm>
+          <a:prstGeom prst="rect">
+            <a:avLst/>
+          </a:prstGeom>
+          <a:solidFill>
+            <a:srgbClr val="FAFFFF"/>
+          </a:solidFill>
+          <a:ln>
+            <a:noFill/>
+          </a:ln>
+        </p:spPr>
+        <p:style>
+          <a:lnRef idx="2">
+            <a:schemeClr val="accent1">
+              <a:shade val="15000"/>
+            </a:schemeClr>
+          </a:lnRef>
+          <a:fillRef idx="1">
+            <a:schemeClr val="accent1"/>
+          </a:fillRef>
+          <a:effectRef idx="0">
+            <a:schemeClr val="accent1"/>
+          </a:effectRef>
+          <a:fontRef idx="minor">
+            <a:schemeClr val="lt1"/>
+          </a:fontRef>
+        </p:style>
+        <p:txBody>
+          <a:bodyPr rtlCol="0" anchor="ctr"/>
+          <a:lstStyle/>
+          <a:p>
+            <a:pPr algn="ctr"/>
+            <a:endParaRPr lang="en-US"/>
+          </a:p>
+        </p:txBody>
+      </p:sp>
+      <p:sp>
+        <p:nvSpPr>
+          <p:cNvPr id="22" name="Rectangle 21">
+            <a:extLst>
+              <a:ext uri="{FF2B5EF4-FFF2-40B4-BE49-F238E27FC236}">
+                <a16:creationId xmlns:a16="http://schemas.microsoft.com/office/drawing/2014/main" id="{E2FDF8E1-0C6A-7FA5-5041-29DB6ED50D2F}"/>
+              </a:ext>
+            </a:extLst>
+          </p:cNvPr>
+          <p:cNvSpPr/>
+          <p:nvPr/>
+        </p:nvSpPr>
+        <p:spPr>
+          <a:xfrm>
+            <a:off x="7910175" y="4069019"/>
+            <a:ext cx="309674" cy="339747"/>
+          </a:xfrm>
+          <a:prstGeom prst="rect">
+            <a:avLst/>
+          </a:prstGeom>
+          <a:solidFill>
+            <a:srgbClr val="FAFFFF"/>
+          </a:solidFill>
+          <a:ln>
+            <a:noFill/>
+          </a:ln>
+        </p:spPr>
+        <p:style>
+          <a:lnRef idx="2">
+            <a:schemeClr val="accent1">
+              <a:shade val="15000"/>
+            </a:schemeClr>
+          </a:lnRef>
+          <a:fillRef idx="1">
+            <a:schemeClr val="accent1"/>
+          </a:fillRef>
+          <a:effectRef idx="0">
+            <a:schemeClr val="accent1"/>
+          </a:effectRef>
+          <a:fontRef idx="minor">
+            <a:schemeClr val="lt1"/>
+          </a:fontRef>
+        </p:style>
+        <p:txBody>
+          <a:bodyPr rtlCol="0" anchor="ctr"/>
+          <a:lstStyle/>
+          <a:p>
+            <a:pPr algn="ctr"/>
+            <a:endParaRPr lang="en-US"/>
+          </a:p>
+        </p:txBody>
+      </p:sp>
+      <p:pic>
+        <p:nvPicPr>
+          <p:cNvPr id="14" name="Picture 13">
+            <a:extLst>
+              <a:ext uri="{FF2B5EF4-FFF2-40B4-BE49-F238E27FC236}">
+                <a16:creationId xmlns:a16="http://schemas.microsoft.com/office/drawing/2014/main" id="{CA365B80-A7AA-0066-455B-4E90539B48EB}"/>
+              </a:ext>
+            </a:extLst>
+          </p:cNvPr>
+          <p:cNvPicPr>
+            <a:picLocks noChangeAspect="1"/>
+          </p:cNvPicPr>
+          <p:nvPr/>
+        </p:nvPicPr>
+        <p:blipFill>
+          <a:blip r:embed="rId2">
+            <a:extLst>
+              <a:ext uri="{BEBA8EAE-BF5A-486C-A8C5-ECC9F3942E4B}">
+                <a14:imgProps xmlns:a14="http://schemas.microsoft.com/office/drawing/2010/main">
+                  <a14:imgLayer r:embed="rId3">
+                    <a14:imgEffect>
+                      <a14:backgroundRemoval t="10000" b="95238" l="10000" r="90000">
+                        <a14:foregroundMark x1="47321" y1="91667" x2="48214" y2="95238"/>
+                      </a14:backgroundRemoval>
+                    </a14:imgEffect>
+                  </a14:imgLayer>
+                </a14:imgProps>
+              </a:ext>
+            </a:extLst>
+          </a:blip>
+          <a:stretch>
+            <a:fillRect/>
+          </a:stretch>
+        </p:blipFill>
+        <p:spPr>
+          <a:xfrm>
+            <a:off x="5978575" y="1678960"/>
+            <a:ext cx="2382864" cy="1787148"/>
+          </a:xfrm>
+          <a:prstGeom prst="rect">
+            <a:avLst/>
+          </a:prstGeom>
+        </p:spPr>
+      </p:pic>
       <p:sp>
         <p:nvSpPr>
           <p:cNvPr id="33" name="Freeform: Shape 32">
@@ -4113,7 +4097,7 @@
         </p:nvCxnSpPr>
         <p:spPr>
           <a:xfrm>
-            <a:off x="3900983" y="3278562"/>
+            <a:off x="3900983" y="3485954"/>
             <a:ext cx="1437467" cy="0"/>
           </a:xfrm>
           <a:prstGeom prst="line">
@@ -4154,7 +4138,7 @@
         </p:nvCxnSpPr>
         <p:spPr>
           <a:xfrm>
-            <a:off x="3900983" y="3635023"/>
+            <a:off x="3900983" y="3842415"/>
             <a:ext cx="1437467" cy="0"/>
           </a:xfrm>
           <a:prstGeom prst="line">
@@ -4195,7 +4179,7 @@
         </p:nvCxnSpPr>
         <p:spPr>
           <a:xfrm>
-            <a:off x="3900983" y="3975985"/>
+            <a:off x="3900983" y="4183377"/>
             <a:ext cx="1437467" cy="0"/>
           </a:xfrm>
           <a:prstGeom prst="line">
@@ -4236,7 +4220,7 @@
         </p:nvSpPr>
         <p:spPr>
           <a:xfrm>
-            <a:off x="4763939" y="3042409"/>
+            <a:off x="4763939" y="3249801"/>
             <a:ext cx="309674" cy="339747"/>
           </a:xfrm>
           <a:prstGeom prst="rect">
@@ -4288,7 +4272,7 @@
         </p:nvSpPr>
         <p:spPr>
           <a:xfrm>
-            <a:off x="4264011" y="3484104"/>
+            <a:off x="4264011" y="3691496"/>
             <a:ext cx="309674" cy="339747"/>
           </a:xfrm>
           <a:prstGeom prst="rect">
@@ -4340,7 +4324,7 @@
         </p:nvSpPr>
         <p:spPr>
           <a:xfrm>
-            <a:off x="4814146" y="3861627"/>
+            <a:off x="4814146" y="4069019"/>
             <a:ext cx="309674" cy="339747"/>
           </a:xfrm>
           <a:prstGeom prst="rect">
@@ -4392,7 +4376,7 @@
         </p:nvSpPr>
         <p:spPr>
           <a:xfrm>
-            <a:off x="3376366" y="1647389"/>
+            <a:off x="3469217" y="1555683"/>
             <a:ext cx="1542410" cy="2215991"/>
           </a:xfrm>
           <a:prstGeom prst="rect">
@@ -4456,6 +4440,118 @@
               <a:latin typeface="Cavolini" panose="020B0502040204020203" pitchFamily="66" charset="0"/>
               <a:ea typeface="STXingkai" panose="020B0503020204020204" pitchFamily="2" charset="-122"/>
               <a:cs typeface="Cavolini" panose="020B0502040204020203" pitchFamily="66" charset="0"/>
+            </a:endParaRPr>
+          </a:p>
+        </p:txBody>
+      </p:sp>
+      <p:sp>
+        <p:nvSpPr>
+          <p:cNvPr id="2" name="TextBox 1">
+            <a:extLst>
+              <a:ext uri="{FF2B5EF4-FFF2-40B4-BE49-F238E27FC236}">
+                <a16:creationId xmlns:a16="http://schemas.microsoft.com/office/drawing/2014/main" id="{881050A6-A4CC-2F37-DB42-629A48A53C4E}"/>
+              </a:ext>
+            </a:extLst>
+          </p:cNvPr>
+          <p:cNvSpPr txBox="1"/>
+          <p:nvPr/>
+        </p:nvSpPr>
+        <p:spPr>
+          <a:xfrm>
+            <a:off x="3678247" y="4560900"/>
+            <a:ext cx="1790875" cy="461665"/>
+          </a:xfrm>
+          <a:prstGeom prst="rect">
+            <a:avLst/>
+          </a:prstGeom>
+          <a:noFill/>
+        </p:spPr>
+        <p:txBody>
+          <a:bodyPr wrap="none" rtlCol="0">
+            <a:spAutoFit/>
+          </a:bodyPr>
+          <a:lstStyle/>
+          <a:p>
+            <a:r>
+              <a:rPr lang="ko-KR" altLang="en-US" sz="2400" dirty="0">
+                <a:latin typeface="나눔고딕 ExtraBold" panose="020D0904000000000000" pitchFamily="50" charset="-127"/>
+                <a:ea typeface="나눔고딕 ExtraBold" panose="020D0904000000000000" pitchFamily="50" charset="-127"/>
+              </a:rPr>
+              <a:t>함수 </a:t>
+            </a:r>
+            <a:r>
+              <a:rPr lang="en-US" altLang="ko-KR" sz="2400" dirty="0">
+                <a:latin typeface="나눔고딕 ExtraBold" panose="020D0904000000000000" pitchFamily="50" charset="-127"/>
+                <a:ea typeface="나눔고딕 ExtraBold" panose="020D0904000000000000" pitchFamily="50" charset="-127"/>
+              </a:rPr>
+              <a:t>m </a:t>
+            </a:r>
+            <a:r>
+              <a:rPr lang="ko-KR" altLang="en-US" sz="2400" dirty="0">
+                <a:latin typeface="나눔고딕 ExtraBold" panose="020D0904000000000000" pitchFamily="50" charset="-127"/>
+                <a:ea typeface="나눔고딕 ExtraBold" panose="020D0904000000000000" pitchFamily="50" charset="-127"/>
+              </a:rPr>
+              <a:t>파일</a:t>
+            </a:r>
+            <a:endParaRPr lang="en-US" sz="2400" dirty="0">
+              <a:latin typeface="나눔고딕 ExtraBold" panose="020D0904000000000000" pitchFamily="50" charset="-127"/>
+              <a:ea typeface="나눔고딕 ExtraBold" panose="020D0904000000000000" pitchFamily="50" charset="-127"/>
+            </a:endParaRPr>
+          </a:p>
+        </p:txBody>
+      </p:sp>
+      <p:sp>
+        <p:nvSpPr>
+          <p:cNvPr id="3" name="TextBox 2">
+            <a:extLst>
+              <a:ext uri="{FF2B5EF4-FFF2-40B4-BE49-F238E27FC236}">
+                <a16:creationId xmlns:a16="http://schemas.microsoft.com/office/drawing/2014/main" id="{FC5197DB-0708-096F-89A2-3E52CC171D19}"/>
+              </a:ext>
+            </a:extLst>
+          </p:cNvPr>
+          <p:cNvSpPr txBox="1"/>
+          <p:nvPr/>
+        </p:nvSpPr>
+        <p:spPr>
+          <a:xfrm>
+            <a:off x="6531767" y="4560900"/>
+            <a:ext cx="2367956" cy="461665"/>
+          </a:xfrm>
+          <a:prstGeom prst="rect">
+            <a:avLst/>
+          </a:prstGeom>
+          <a:noFill/>
+        </p:spPr>
+        <p:txBody>
+          <a:bodyPr wrap="none" rtlCol="0">
+            <a:spAutoFit/>
+          </a:bodyPr>
+          <a:lstStyle/>
+          <a:p>
+            <a:r>
+              <a:rPr lang="ko-KR" altLang="en-US" sz="2400">
+                <a:latin typeface="나눔고딕 ExtraBold" panose="020D0904000000000000" pitchFamily="50" charset="-127"/>
+                <a:ea typeface="나눔고딕 ExtraBold" panose="020D0904000000000000" pitchFamily="50" charset="-127"/>
+              </a:rPr>
+              <a:t>스크립트 </a:t>
+            </a:r>
+            <a:r>
+              <a:rPr lang="en-US" altLang="ko-KR" sz="2400" dirty="0">
+                <a:latin typeface="나눔고딕 ExtraBold" panose="020D0904000000000000" pitchFamily="50" charset="-127"/>
+                <a:ea typeface="나눔고딕 ExtraBold" panose="020D0904000000000000" pitchFamily="50" charset="-127"/>
+              </a:rPr>
+              <a:t>m </a:t>
+            </a:r>
+            <a:r>
+              <a:rPr lang="ko-KR" altLang="en-US" sz="2400" dirty="0">
+                <a:latin typeface="나눔고딕 ExtraBold" panose="020D0904000000000000" pitchFamily="50" charset="-127"/>
+                <a:ea typeface="나눔고딕 ExtraBold" panose="020D0904000000000000" pitchFamily="50" charset="-127"/>
+              </a:rPr>
+              <a:t>파일</a:t>
+            </a:r>
+            <a:endParaRPr lang="en-US" sz="2400" dirty="0">
+              <a:latin typeface="나눔고딕 ExtraBold" panose="020D0904000000000000" pitchFamily="50" charset="-127"/>
+              <a:ea typeface="나눔고딕 ExtraBold" panose="020D0904000000000000" pitchFamily="50" charset="-127"/>
             </a:endParaRPr>
           </a:p>
         </p:txBody>
